--- a/docs/设计文档/架构图.pptx
+++ b/docs/设计文档/架构图.pptx
@@ -289,7 +289,7 @@
             <a:fld id="{79999C13-7D73-4A87-8CC5-7FBB81244F5A}" type="datetimeFigureOut">
               <a:rPr lang="zh-CN" altLang="en-US" smtClean="0"/>
               <a:pPr/>
-              <a:t>2015/5/12</a:t>
+              <a:t>2019/10/10</a:t>
             </a:fld>
             <a:endParaRPr lang="zh-CN" altLang="en-US"/>
           </a:p>
@@ -456,7 +456,7 @@
             <a:fld id="{79999C13-7D73-4A87-8CC5-7FBB81244F5A}" type="datetimeFigureOut">
               <a:rPr lang="zh-CN" altLang="en-US" smtClean="0"/>
               <a:pPr/>
-              <a:t>2015/5/12</a:t>
+              <a:t>2019/10/10</a:t>
             </a:fld>
             <a:endParaRPr lang="zh-CN" altLang="en-US"/>
           </a:p>
@@ -633,7 +633,7 @@
             <a:fld id="{79999C13-7D73-4A87-8CC5-7FBB81244F5A}" type="datetimeFigureOut">
               <a:rPr lang="zh-CN" altLang="en-US" smtClean="0"/>
               <a:pPr/>
-              <a:t>2015/5/12</a:t>
+              <a:t>2019/10/10</a:t>
             </a:fld>
             <a:endParaRPr lang="zh-CN" altLang="en-US"/>
           </a:p>
@@ -800,7 +800,7 @@
             <a:fld id="{79999C13-7D73-4A87-8CC5-7FBB81244F5A}" type="datetimeFigureOut">
               <a:rPr lang="zh-CN" altLang="en-US" smtClean="0"/>
               <a:pPr/>
-              <a:t>2015/5/12</a:t>
+              <a:t>2019/10/10</a:t>
             </a:fld>
             <a:endParaRPr lang="zh-CN" altLang="en-US"/>
           </a:p>
@@ -1043,7 +1043,7 @@
             <a:fld id="{79999C13-7D73-4A87-8CC5-7FBB81244F5A}" type="datetimeFigureOut">
               <a:rPr lang="zh-CN" altLang="en-US" smtClean="0"/>
               <a:pPr/>
-              <a:t>2015/5/12</a:t>
+              <a:t>2019/10/10</a:t>
             </a:fld>
             <a:endParaRPr lang="zh-CN" altLang="en-US"/>
           </a:p>
@@ -1328,7 +1328,7 @@
             <a:fld id="{79999C13-7D73-4A87-8CC5-7FBB81244F5A}" type="datetimeFigureOut">
               <a:rPr lang="zh-CN" altLang="en-US" smtClean="0"/>
               <a:pPr/>
-              <a:t>2015/5/12</a:t>
+              <a:t>2019/10/10</a:t>
             </a:fld>
             <a:endParaRPr lang="zh-CN" altLang="en-US"/>
           </a:p>
@@ -1747,7 +1747,7 @@
             <a:fld id="{79999C13-7D73-4A87-8CC5-7FBB81244F5A}" type="datetimeFigureOut">
               <a:rPr lang="zh-CN" altLang="en-US" smtClean="0"/>
               <a:pPr/>
-              <a:t>2015/5/12</a:t>
+              <a:t>2019/10/10</a:t>
             </a:fld>
             <a:endParaRPr lang="zh-CN" altLang="en-US"/>
           </a:p>
@@ -1862,7 +1862,7 @@
             <a:fld id="{79999C13-7D73-4A87-8CC5-7FBB81244F5A}" type="datetimeFigureOut">
               <a:rPr lang="zh-CN" altLang="en-US" smtClean="0"/>
               <a:pPr/>
-              <a:t>2015/5/12</a:t>
+              <a:t>2019/10/10</a:t>
             </a:fld>
             <a:endParaRPr lang="zh-CN" altLang="en-US"/>
           </a:p>
@@ -1954,7 +1954,7 @@
             <a:fld id="{79999C13-7D73-4A87-8CC5-7FBB81244F5A}" type="datetimeFigureOut">
               <a:rPr lang="zh-CN" altLang="en-US" smtClean="0"/>
               <a:pPr/>
-              <a:t>2015/5/12</a:t>
+              <a:t>2019/10/10</a:t>
             </a:fld>
             <a:endParaRPr lang="zh-CN" altLang="en-US"/>
           </a:p>
@@ -2228,7 +2228,7 @@
             <a:fld id="{79999C13-7D73-4A87-8CC5-7FBB81244F5A}" type="datetimeFigureOut">
               <a:rPr lang="zh-CN" altLang="en-US" smtClean="0"/>
               <a:pPr/>
-              <a:t>2015/5/12</a:t>
+              <a:t>2019/10/10</a:t>
             </a:fld>
             <a:endParaRPr lang="zh-CN" altLang="en-US"/>
           </a:p>
@@ -2478,7 +2478,7 @@
             <a:fld id="{79999C13-7D73-4A87-8CC5-7FBB81244F5A}" type="datetimeFigureOut">
               <a:rPr lang="zh-CN" altLang="en-US" smtClean="0"/>
               <a:pPr/>
-              <a:t>2015/5/12</a:t>
+              <a:t>2019/10/10</a:t>
             </a:fld>
             <a:endParaRPr lang="zh-CN" altLang="en-US"/>
           </a:p>
@@ -2688,7 +2688,7 @@
             <a:fld id="{79999C13-7D73-4A87-8CC5-7FBB81244F5A}" type="datetimeFigureOut">
               <a:rPr lang="zh-CN" altLang="en-US" smtClean="0"/>
               <a:pPr/>
-              <a:t>2015/5/12</a:t>
+              <a:t>2019/10/10</a:t>
             </a:fld>
             <a:endParaRPr lang="zh-CN" altLang="en-US"/>
           </a:p>
@@ -3067,8 +3067,8 @@
         </p:nvSpPr>
         <p:spPr>
           <a:xfrm>
-            <a:off x="-281180" y="6914714"/>
-            <a:ext cx="1714512" cy="857256"/>
+            <a:off x="1178872" y="6914714"/>
+            <a:ext cx="1352718" cy="857256"/>
           </a:xfrm>
           <a:prstGeom prst="roundRect">
             <a:avLst/>
@@ -3102,7 +3102,7 @@
             <a:pPr algn="ctr"/>
             <a:r>
               <a:rPr lang="en-US" altLang="zh-CN" dirty="0" err="1" smtClean="0"/>
-              <a:t>MVStore</a:t>
+              <a:t>RocksDB</a:t>
             </a:r>
             <a:endParaRPr lang="zh-CN" altLang="en-US" dirty="0"/>
           </a:p>
@@ -3116,8 +3116,8 @@
         </p:nvSpPr>
         <p:spPr>
           <a:xfrm>
-            <a:off x="2172604" y="6914714"/>
-            <a:ext cx="1714512" cy="857256"/>
+            <a:off x="4218908" y="6916992"/>
+            <a:ext cx="1357322" cy="857256"/>
           </a:xfrm>
           <a:prstGeom prst="roundRect">
             <a:avLst/>
@@ -3165,7 +3165,7 @@
         </p:nvSpPr>
         <p:spPr>
           <a:xfrm>
-            <a:off x="-266432" y="6143644"/>
+            <a:off x="1193620" y="6143644"/>
             <a:ext cx="6786610" cy="428628"/>
           </a:xfrm>
           <a:prstGeom prst="roundRect">
@@ -3204,7 +3204,19 @@
             </a:r>
             <a:r>
               <a:rPr lang="en-US" altLang="zh-CN" dirty="0" smtClean="0"/>
-              <a:t>/Map API</a:t>
+              <a:t>/</a:t>
+            </a:r>
+            <a:r>
+              <a:rPr lang="en-US" altLang="zh-CN" dirty="0" err="1" smtClean="0"/>
+              <a:t>StorageMap</a:t>
+            </a:r>
+            <a:r>
+              <a:rPr lang="en-US" altLang="zh-CN" dirty="0" smtClean="0"/>
+              <a:t> </a:t>
+            </a:r>
+            <a:r>
+              <a:rPr lang="en-US" altLang="zh-CN" dirty="0" smtClean="0"/>
+              <a:t>API</a:t>
             </a:r>
             <a:endParaRPr lang="zh-CN" altLang="en-US" dirty="0"/>
           </a:p>
@@ -3218,7 +3230,7 @@
         </p:nvSpPr>
         <p:spPr>
           <a:xfrm>
-            <a:off x="-253986" y="4286256"/>
+            <a:off x="1206066" y="4286256"/>
             <a:ext cx="4256784" cy="428628"/>
           </a:xfrm>
           <a:prstGeom prst="roundRect">
@@ -3257,7 +3269,19 @@
             </a:r>
             <a:r>
               <a:rPr lang="en-US" altLang="zh-CN" dirty="0" smtClean="0"/>
-              <a:t>/Map API</a:t>
+              <a:t>/</a:t>
+            </a:r>
+            <a:r>
+              <a:rPr lang="en-US" altLang="zh-CN" dirty="0" err="1" smtClean="0"/>
+              <a:t>TransactionMap</a:t>
+            </a:r>
+            <a:r>
+              <a:rPr lang="en-US" altLang="zh-CN" dirty="0" smtClean="0"/>
+              <a:t> </a:t>
+            </a:r>
+            <a:r>
+              <a:rPr lang="en-US" altLang="zh-CN" dirty="0" smtClean="0"/>
+              <a:t>API</a:t>
             </a:r>
             <a:endParaRPr lang="zh-CN" altLang="en-US" dirty="0"/>
           </a:p>
@@ -3271,8 +3295,8 @@
         </p:nvSpPr>
         <p:spPr>
           <a:xfrm>
-            <a:off x="-256908" y="5072074"/>
-            <a:ext cx="1714512" cy="714380"/>
+            <a:off x="1203144" y="5072074"/>
+            <a:ext cx="1328446" cy="714380"/>
           </a:xfrm>
           <a:prstGeom prst="roundRect">
             <a:avLst/>
@@ -3306,7 +3330,7 @@
             <a:pPr algn="ctr"/>
             <a:r>
               <a:rPr lang="en-US" altLang="zh-CN" dirty="0" smtClean="0"/>
-              <a:t>MVCC</a:t>
+              <a:t>AMTE</a:t>
             </a:r>
             <a:endParaRPr lang="zh-CN" altLang="en-US" dirty="0"/>
           </a:p>
@@ -3320,8 +3344,8 @@
         </p:nvSpPr>
         <p:spPr>
           <a:xfrm>
-            <a:off x="2244042" y="5072074"/>
-            <a:ext cx="1714512" cy="714380"/>
+            <a:off x="4132722" y="5072074"/>
+            <a:ext cx="1315380" cy="714380"/>
           </a:xfrm>
           <a:prstGeom prst="roundRect">
             <a:avLst/>
@@ -3359,7 +3383,11 @@
             <a:pPr algn="ctr"/>
             <a:r>
               <a:rPr lang="en-US" altLang="zh-CN" dirty="0" smtClean="0"/>
-              <a:t>Pluggable Other…</a:t>
+              <a:t>Pluggable </a:t>
+            </a:r>
+            <a:r>
+              <a:rPr lang="en-US" altLang="zh-CN" dirty="0" smtClean="0"/>
+              <a:t>Other…</a:t>
             </a:r>
             <a:endParaRPr lang="zh-CN" altLang="en-US" dirty="0" smtClean="0"/>
           </a:p>
@@ -3377,7 +3405,7 @@
         </p:nvSpPr>
         <p:spPr>
           <a:xfrm>
-            <a:off x="4807968" y="6931764"/>
+            <a:off x="6268020" y="6917016"/>
             <a:ext cx="1714512" cy="857256"/>
           </a:xfrm>
           <a:prstGeom prst="roundRect">
@@ -3426,7 +3454,7 @@
         </p:nvSpPr>
         <p:spPr>
           <a:xfrm>
-            <a:off x="-273338" y="500042"/>
+            <a:off x="1186714" y="500042"/>
             <a:ext cx="6715172" cy="571504"/>
           </a:xfrm>
           <a:prstGeom prst="roundRect">
@@ -3475,7 +3503,7 @@
         </p:nvSpPr>
         <p:spPr>
           <a:xfrm>
-            <a:off x="-243842" y="3429000"/>
+            <a:off x="1216210" y="3429000"/>
             <a:ext cx="4946272" cy="500066"/>
           </a:xfrm>
           <a:prstGeom prst="roundRect">
@@ -3510,7 +3538,11 @@
             <a:pPr algn="ctr"/>
             <a:r>
               <a:rPr lang="en-US" altLang="zh-CN" dirty="0" err="1" smtClean="0"/>
-              <a:t>MVTable</a:t>
+              <a:t>Standard</a:t>
+            </a:r>
+            <a:r>
+              <a:rPr lang="en-US" altLang="zh-CN" dirty="0" err="1" smtClean="0"/>
+              <a:t>Table</a:t>
             </a:r>
             <a:r>
               <a:rPr lang="zh-CN" altLang="en-US" dirty="0" smtClean="0"/>
@@ -3518,7 +3550,11 @@
             </a:r>
             <a:r>
               <a:rPr lang="en-US" altLang="zh-CN" dirty="0" err="1" smtClean="0"/>
-              <a:t>MVIndex</a:t>
+              <a:t>Standard</a:t>
+            </a:r>
+            <a:r>
+              <a:rPr lang="en-US" altLang="zh-CN" dirty="0" err="1" smtClean="0"/>
+              <a:t>Index</a:t>
             </a:r>
             <a:endParaRPr lang="zh-CN" altLang="en-US" dirty="0"/>
           </a:p>
@@ -3532,7 +3568,7 @@
         </p:nvSpPr>
         <p:spPr>
           <a:xfrm>
-            <a:off x="4860054" y="3456194"/>
+            <a:off x="6320106" y="3456194"/>
             <a:ext cx="1571636" cy="500066"/>
           </a:xfrm>
           <a:prstGeom prst="roundRect">
@@ -3567,7 +3603,11 @@
             <a:pPr algn="ctr"/>
             <a:r>
               <a:rPr lang="en-US" altLang="zh-CN" dirty="0" smtClean="0"/>
-              <a:t>Pluggable Other…</a:t>
+              <a:t>Pluggable </a:t>
+            </a:r>
+            <a:r>
+              <a:rPr lang="en-US" altLang="zh-CN" dirty="0" smtClean="0"/>
+              <a:t>Other…</a:t>
             </a:r>
             <a:endParaRPr lang="zh-CN" altLang="en-US" dirty="0"/>
           </a:p>
@@ -3581,7 +3621,7 @@
         </p:nvSpPr>
         <p:spPr>
           <a:xfrm>
-            <a:off x="458092" y="-1527416"/>
+            <a:off x="1918144" y="-1527416"/>
             <a:ext cx="1714512" cy="714380"/>
           </a:xfrm>
           <a:prstGeom prst="roundRect">
@@ -3638,8 +3678,8 @@
         </p:nvSpPr>
         <p:spPr>
           <a:xfrm>
-            <a:off x="-256288" y="1428736"/>
-            <a:ext cx="1714512" cy="785818"/>
+            <a:off x="4000496" y="1428736"/>
+            <a:ext cx="1000132" cy="785818"/>
           </a:xfrm>
           <a:prstGeom prst="roundRect">
             <a:avLst/>
@@ -3682,8 +3722,8 @@
         </p:nvSpPr>
         <p:spPr>
           <a:xfrm>
-            <a:off x="4530058" y="1428736"/>
-            <a:ext cx="1928826" cy="785818"/>
+            <a:off x="2386918" y="1428736"/>
+            <a:ext cx="928694" cy="785818"/>
           </a:xfrm>
           <a:prstGeom prst="roundRect">
             <a:avLst/>
@@ -3720,20 +3760,22 @@
       </p:sp>
       <p:sp>
         <p:nvSpPr>
-          <p:cNvPr id="32" name="圆角矩形 31"/>
+          <p:cNvPr id="33" name="圆角矩形 32"/>
           <p:cNvSpPr/>
           <p:nvPr/>
         </p:nvSpPr>
         <p:spPr>
           <a:xfrm>
-            <a:off x="7131322" y="529538"/>
-            <a:ext cx="3328090" cy="2643206"/>
+            <a:off x="1172472" y="1428736"/>
+            <a:ext cx="1000132" cy="785818"/>
           </a:xfrm>
           <a:prstGeom prst="roundRect">
             <a:avLst/>
           </a:prstGeom>
           <a:solidFill>
-            <a:schemeClr val="accent2"/>
+            <a:schemeClr val="accent6">
+              <a:lumMod val="75000"/>
+            </a:schemeClr>
           </a:solidFill>
         </p:spPr>
         <p:style>
@@ -3758,16 +3800,16 @@
           <a:p>
             <a:pPr algn="ctr"/>
             <a:r>
+              <a:rPr lang="en-US" altLang="zh-CN" dirty="0" err="1" smtClean="0"/>
+              <a:t>Lealone</a:t>
+            </a:r>
+            <a:r>
               <a:rPr lang="en-US" altLang="zh-CN" dirty="0" smtClean="0"/>
-              <a:t>Cluster/</a:t>
-            </a:r>
-            <a:r>
-              <a:rPr lang="en-US" dirty="0"/>
-              <a:t> </a:t>
-            </a:r>
-            <a:r>
-              <a:rPr lang="en-US" dirty="0" smtClean="0"/>
-              <a:t>Partition / Replication</a:t>
+              <a:t> Node </a:t>
+            </a:r>
+            <a:r>
+              <a:rPr lang="en-US" altLang="zh-CN" dirty="0" smtClean="0"/>
+              <a:t>2</a:t>
             </a:r>
             <a:endParaRPr lang="zh-CN" altLang="en-US" dirty="0"/>
           </a:p>
@@ -3775,21 +3817,21 @@
       </p:sp>
       <p:sp>
         <p:nvSpPr>
-          <p:cNvPr id="33" name="圆角矩形 32"/>
+          <p:cNvPr id="38" name="下箭头 37"/>
           <p:cNvSpPr/>
           <p:nvPr/>
         </p:nvSpPr>
         <p:spPr>
           <a:xfrm>
-            <a:off x="7101826" y="3773744"/>
-            <a:ext cx="1571636" cy="1285884"/>
-          </a:xfrm>
-          <a:prstGeom prst="roundRect">
+            <a:off x="4294950" y="157600"/>
+            <a:ext cx="357190" cy="342442"/>
+          </a:xfrm>
+          <a:prstGeom prst="downArrow">
             <a:avLst/>
           </a:prstGeom>
           <a:solidFill>
-            <a:schemeClr val="accent6">
-              <a:lumMod val="75000"/>
+            <a:schemeClr val="bg2">
+              <a:lumMod val="90000"/>
             </a:schemeClr>
           </a:solidFill>
         </p:spPr>
@@ -3814,27 +3856,19 @@
           <a:lstStyle/>
           <a:p>
             <a:pPr algn="ctr"/>
-            <a:r>
-              <a:rPr lang="en-US" altLang="zh-CN" dirty="0" err="1" smtClean="0"/>
-              <a:t>Lealone</a:t>
-            </a:r>
-            <a:r>
-              <a:rPr lang="en-US" altLang="zh-CN" dirty="0" smtClean="0"/>
-              <a:t> Node 2</a:t>
-            </a:r>
-            <a:endParaRPr lang="zh-CN" altLang="en-US" dirty="0"/>
-          </a:p>
-        </p:txBody>
-      </p:sp>
-      <p:sp>
-        <p:nvSpPr>
-          <p:cNvPr id="38" name="下箭头 37"/>
+            <a:endParaRPr lang="zh-CN" altLang="en-US"/>
+          </a:p>
+        </p:txBody>
+      </p:sp>
+      <p:sp>
+        <p:nvSpPr>
+          <p:cNvPr id="39" name="下箭头 38"/>
           <p:cNvSpPr/>
           <p:nvPr/>
         </p:nvSpPr>
         <p:spPr>
           <a:xfrm>
-            <a:off x="2834898" y="157600"/>
+            <a:off x="2640872" y="1071546"/>
             <a:ext cx="357190" cy="342442"/>
           </a:xfrm>
           <a:prstGeom prst="downArrow">
@@ -3873,13 +3907,13 @@
       </p:sp>
       <p:sp>
         <p:nvSpPr>
-          <p:cNvPr id="39" name="下箭头 38"/>
+          <p:cNvPr id="40" name="下箭头 39"/>
           <p:cNvSpPr/>
           <p:nvPr/>
         </p:nvSpPr>
         <p:spPr>
           <a:xfrm>
-            <a:off x="315216" y="1071546"/>
+            <a:off x="6929454" y="1098740"/>
             <a:ext cx="357190" cy="342442"/>
           </a:xfrm>
           <a:prstGeom prst="downArrow">
@@ -3918,13 +3952,13 @@
       </p:sp>
       <p:sp>
         <p:nvSpPr>
-          <p:cNvPr id="40" name="下箭头 39"/>
+          <p:cNvPr id="41" name="下箭头 40"/>
           <p:cNvSpPr/>
           <p:nvPr/>
         </p:nvSpPr>
         <p:spPr>
           <a:xfrm>
-            <a:off x="5530190" y="1071546"/>
+            <a:off x="4603292" y="5786454"/>
             <a:ext cx="357190" cy="342442"/>
           </a:xfrm>
           <a:prstGeom prst="downArrow">
@@ -3957,19 +3991,19 @@
           <a:lstStyle/>
           <a:p>
             <a:pPr algn="ctr"/>
-            <a:endParaRPr lang="zh-CN" altLang="en-US"/>
-          </a:p>
-        </p:txBody>
-      </p:sp>
-      <p:sp>
-        <p:nvSpPr>
-          <p:cNvPr id="41" name="下箭头 40"/>
+            <a:endParaRPr lang="zh-CN" altLang="en-US" dirty="0"/>
+          </a:p>
+        </p:txBody>
+      </p:sp>
+      <p:sp>
+        <p:nvSpPr>
+          <p:cNvPr id="42" name="下箭头 41"/>
           <p:cNvSpPr/>
           <p:nvPr/>
         </p:nvSpPr>
         <p:spPr>
           <a:xfrm>
-            <a:off x="2823072" y="5786454"/>
+            <a:off x="1775268" y="5801202"/>
             <a:ext cx="357190" cy="342442"/>
           </a:xfrm>
           <a:prstGeom prst="downArrow">
@@ -4008,13 +4042,13 @@
       </p:sp>
       <p:sp>
         <p:nvSpPr>
-          <p:cNvPr id="42" name="下箭头 41"/>
+          <p:cNvPr id="43" name="下箭头 42"/>
           <p:cNvSpPr/>
           <p:nvPr/>
         </p:nvSpPr>
         <p:spPr>
           <a:xfrm>
-            <a:off x="315216" y="5801202"/>
+            <a:off x="4603292" y="4714884"/>
             <a:ext cx="357190" cy="342442"/>
           </a:xfrm>
           <a:prstGeom prst="downArrow">
@@ -4053,13 +4087,13 @@
       </p:sp>
       <p:sp>
         <p:nvSpPr>
-          <p:cNvPr id="43" name="下箭头 42"/>
+          <p:cNvPr id="44" name="下箭头 43"/>
           <p:cNvSpPr/>
           <p:nvPr/>
         </p:nvSpPr>
         <p:spPr>
           <a:xfrm>
-            <a:off x="2842424" y="4714884"/>
+            <a:off x="1775268" y="4714884"/>
             <a:ext cx="357190" cy="342442"/>
           </a:xfrm>
           <a:prstGeom prst="downArrow">
@@ -4098,13 +4132,13 @@
       </p:sp>
       <p:sp>
         <p:nvSpPr>
-          <p:cNvPr id="44" name="下箭头 43"/>
+          <p:cNvPr id="45" name="下箭头 44"/>
           <p:cNvSpPr/>
           <p:nvPr/>
         </p:nvSpPr>
         <p:spPr>
           <a:xfrm>
-            <a:off x="315216" y="4714884"/>
+            <a:off x="3174532" y="3929066"/>
             <a:ext cx="357190" cy="342442"/>
           </a:xfrm>
           <a:prstGeom prst="downArrow">
@@ -4143,13 +4177,13 @@
       </p:sp>
       <p:sp>
         <p:nvSpPr>
-          <p:cNvPr id="45" name="下箭头 44"/>
+          <p:cNvPr id="46" name="下箭头 45"/>
           <p:cNvSpPr/>
           <p:nvPr/>
         </p:nvSpPr>
         <p:spPr>
           <a:xfrm>
-            <a:off x="315216" y="3929066"/>
+            <a:off x="6950602" y="3071810"/>
             <a:ext cx="357190" cy="342442"/>
           </a:xfrm>
           <a:prstGeom prst="downArrow">
@@ -4188,13 +4222,13 @@
       </p:sp>
       <p:sp>
         <p:nvSpPr>
-          <p:cNvPr id="46" name="下箭头 45"/>
+          <p:cNvPr id="47" name="下箭头 46"/>
           <p:cNvSpPr/>
           <p:nvPr/>
         </p:nvSpPr>
         <p:spPr>
           <a:xfrm>
-            <a:off x="5490550" y="3071810"/>
+            <a:off x="3174532" y="3071810"/>
             <a:ext cx="357190" cy="342442"/>
           </a:xfrm>
           <a:prstGeom prst="downArrow">
@@ -4233,13 +4267,13 @@
       </p:sp>
       <p:sp>
         <p:nvSpPr>
-          <p:cNvPr id="47" name="下箭头 46"/>
+          <p:cNvPr id="48" name="下箭头 47"/>
           <p:cNvSpPr/>
           <p:nvPr/>
         </p:nvSpPr>
         <p:spPr>
           <a:xfrm>
-            <a:off x="315216" y="3071810"/>
+            <a:off x="6929454" y="2214554"/>
             <a:ext cx="357190" cy="342442"/>
           </a:xfrm>
           <a:prstGeom prst="downArrow">
@@ -4278,13 +4312,13 @@
       </p:sp>
       <p:sp>
         <p:nvSpPr>
-          <p:cNvPr id="48" name="下箭头 47"/>
+          <p:cNvPr id="50" name="下箭头 49"/>
           <p:cNvSpPr/>
           <p:nvPr/>
         </p:nvSpPr>
         <p:spPr>
           <a:xfrm>
-            <a:off x="315216" y="2214554"/>
+            <a:off x="1775268" y="6545054"/>
             <a:ext cx="357190" cy="342442"/>
           </a:xfrm>
           <a:prstGeom prst="downArrow">
@@ -4323,13 +4357,13 @@
       </p:sp>
       <p:sp>
         <p:nvSpPr>
-          <p:cNvPr id="50" name="下箭头 49"/>
+          <p:cNvPr id="51" name="下箭头 50"/>
           <p:cNvSpPr/>
           <p:nvPr/>
         </p:nvSpPr>
         <p:spPr>
           <a:xfrm>
-            <a:off x="315216" y="6545054"/>
+            <a:off x="6937220" y="6587020"/>
             <a:ext cx="357190" cy="342442"/>
           </a:xfrm>
           <a:prstGeom prst="downArrow">
@@ -4368,13 +4402,13 @@
       </p:sp>
       <p:sp>
         <p:nvSpPr>
-          <p:cNvPr id="51" name="下箭头 50"/>
+          <p:cNvPr id="52" name="下箭头 51"/>
           <p:cNvSpPr/>
           <p:nvPr/>
         </p:nvSpPr>
         <p:spPr>
           <a:xfrm>
-            <a:off x="5477168" y="6587020"/>
+            <a:off x="4603292" y="6572272"/>
             <a:ext cx="357190" cy="342442"/>
           </a:xfrm>
           <a:prstGeom prst="downArrow">
@@ -4413,14 +4447,14 @@
       </p:sp>
       <p:sp>
         <p:nvSpPr>
-          <p:cNvPr id="52" name="下箭头 51"/>
+          <p:cNvPr id="55" name="下箭头 54"/>
           <p:cNvSpPr/>
           <p:nvPr/>
         </p:nvSpPr>
         <p:spPr>
           <a:xfrm>
-            <a:off x="2808324" y="6572272"/>
-            <a:ext cx="357190" cy="342442"/>
+            <a:off x="6935854" y="3943814"/>
+            <a:ext cx="357190" cy="2214578"/>
           </a:xfrm>
           <a:prstGeom prst="downArrow">
             <a:avLst/>
@@ -4458,13 +4492,13 @@
       </p:sp>
       <p:sp>
         <p:nvSpPr>
-          <p:cNvPr id="55" name="下箭头 54"/>
+          <p:cNvPr id="56" name="下箭头 55"/>
           <p:cNvSpPr/>
           <p:nvPr/>
         </p:nvSpPr>
         <p:spPr>
           <a:xfrm>
-            <a:off x="5475802" y="3943814"/>
+            <a:off x="5632920" y="3929066"/>
             <a:ext cx="357190" cy="2214578"/>
           </a:xfrm>
           <a:prstGeom prst="downArrow">
@@ -4503,21 +4537,22 @@
       </p:sp>
       <p:sp>
         <p:nvSpPr>
-          <p:cNvPr id="56" name="下箭头 55"/>
+          <p:cNvPr id="61" name="圆角矩形 60"/>
           <p:cNvSpPr/>
           <p:nvPr/>
         </p:nvSpPr>
         <p:spPr>
           <a:xfrm>
-            <a:off x="4172868" y="3929066"/>
-            <a:ext cx="357190" cy="2214578"/>
-          </a:xfrm>
-          <a:prstGeom prst="downArrow">
+            <a:off x="1201462" y="-428652"/>
+            <a:ext cx="6715172" cy="571504"/>
+          </a:xfrm>
+          <a:prstGeom prst="roundRect">
             <a:avLst/>
           </a:prstGeom>
           <a:solidFill>
-            <a:schemeClr val="bg2">
-              <a:lumMod val="90000"/>
+            <a:schemeClr val="tx1">
+              <a:lumMod val="65000"/>
+              <a:lumOff val="35000"/>
             </a:schemeClr>
           </a:solidFill>
         </p:spPr>
@@ -4542,27 +4577,31 @@
           <a:lstStyle/>
           <a:p>
             <a:pPr algn="ctr"/>
-            <a:endParaRPr lang="zh-CN" altLang="en-US"/>
-          </a:p>
-        </p:txBody>
-      </p:sp>
-      <p:sp>
-        <p:nvSpPr>
-          <p:cNvPr id="57" name="右箭头 56"/>
+            <a:r>
+              <a:rPr lang="en-US" altLang="zh-CN" dirty="0" smtClean="0"/>
+              <a:t>TCP Server/ Protocol</a:t>
+            </a:r>
+            <a:endParaRPr lang="zh-CN" altLang="en-US" dirty="0"/>
+          </a:p>
+        </p:txBody>
+      </p:sp>
+      <p:sp>
+        <p:nvSpPr>
+          <p:cNvPr id="62" name="圆角矩形 61"/>
           <p:cNvSpPr/>
           <p:nvPr/>
         </p:nvSpPr>
         <p:spPr>
           <a:xfrm>
-            <a:off x="6488380" y="1714488"/>
-            <a:ext cx="642942" cy="285752"/>
-          </a:xfrm>
-          <a:prstGeom prst="rightArrow">
+            <a:off x="1203764" y="2571744"/>
+            <a:ext cx="6715172" cy="571504"/>
+          </a:xfrm>
+          <a:prstGeom prst="roundRect">
             <a:avLst/>
           </a:prstGeom>
           <a:solidFill>
-            <a:schemeClr val="bg2">
-              <a:lumMod val="90000"/>
+            <a:schemeClr val="accent5">
+              <a:lumMod val="75000"/>
             </a:schemeClr>
           </a:solidFill>
         </p:spPr>
@@ -4587,20 +4626,32 @@
           <a:lstStyle/>
           <a:p>
             <a:pPr algn="ctr"/>
-            <a:endParaRPr lang="zh-CN" altLang="en-US"/>
-          </a:p>
-        </p:txBody>
-      </p:sp>
-      <p:sp>
-        <p:nvSpPr>
-          <p:cNvPr id="58" name="下箭头 57"/>
+            <a:r>
+              <a:rPr lang="en-US" altLang="zh-CN" dirty="0" smtClean="0"/>
+              <a:t>DB Object (Table</a:t>
+            </a:r>
+            <a:r>
+              <a:rPr lang="zh-CN" altLang="en-US" dirty="0" smtClean="0"/>
+              <a:t>、</a:t>
+            </a:r>
+            <a:r>
+              <a:rPr lang="en-US" altLang="zh-CN" dirty="0" smtClean="0"/>
+              <a:t>Index) API</a:t>
+            </a:r>
+            <a:endParaRPr lang="zh-CN" altLang="en-US" dirty="0" smtClean="0"/>
+          </a:p>
+        </p:txBody>
+      </p:sp>
+      <p:sp>
+        <p:nvSpPr>
+          <p:cNvPr id="64" name="下箭头 63"/>
           <p:cNvSpPr/>
           <p:nvPr/>
         </p:nvSpPr>
         <p:spPr>
           <a:xfrm>
-            <a:off x="7705096" y="3172744"/>
-            <a:ext cx="357222" cy="571504"/>
+            <a:off x="2632524" y="-798288"/>
+            <a:ext cx="357190" cy="342442"/>
           </a:xfrm>
           <a:prstGeom prst="downArrow">
             <a:avLst/>
@@ -4638,20 +4689,20 @@
       </p:sp>
       <p:sp>
         <p:nvSpPr>
-          <p:cNvPr id="59" name="圆角矩形 58"/>
+          <p:cNvPr id="65" name="圆角矩形 64"/>
           <p:cNvSpPr/>
           <p:nvPr/>
         </p:nvSpPr>
         <p:spPr>
           <a:xfrm>
-            <a:off x="8858280" y="3786190"/>
-            <a:ext cx="1571636" cy="1285884"/>
+            <a:off x="5275730" y="-1514970"/>
+            <a:ext cx="1714512" cy="714380"/>
           </a:xfrm>
           <a:prstGeom prst="roundRect">
             <a:avLst/>
           </a:prstGeom>
           <a:solidFill>
-            <a:schemeClr val="accent6">
+            <a:schemeClr val="accent4">
               <a:lumMod val="75000"/>
             </a:schemeClr>
           </a:solidFill>
@@ -4677,28 +4728,32 @@
           <a:lstStyle/>
           <a:p>
             <a:pPr algn="ctr"/>
-            <a:r>
-              <a:rPr lang="en-US" altLang="zh-CN" dirty="0" err="1" smtClean="0"/>
-              <a:t>Lealone</a:t>
-            </a:r>
+            <a:endParaRPr lang="en-US" altLang="zh-CN" dirty="0" smtClean="0"/>
+          </a:p>
+          <a:p>
+            <a:pPr algn="ctr"/>
             <a:r>
               <a:rPr lang="en-US" altLang="zh-CN" dirty="0" smtClean="0"/>
-              <a:t> Node 3</a:t>
-            </a:r>
+              <a:t>Client  2</a:t>
+            </a:r>
+            <a:endParaRPr lang="zh-CN" altLang="en-US" dirty="0" smtClean="0"/>
+          </a:p>
+          <a:p>
+            <a:pPr algn="ctr"/>
             <a:endParaRPr lang="zh-CN" altLang="en-US" dirty="0"/>
           </a:p>
         </p:txBody>
       </p:sp>
       <p:sp>
         <p:nvSpPr>
-          <p:cNvPr id="60" name="下箭头 59"/>
+          <p:cNvPr id="66" name="下箭头 65"/>
           <p:cNvSpPr/>
           <p:nvPr/>
         </p:nvSpPr>
         <p:spPr>
           <a:xfrm>
-            <a:off x="9508128" y="3187492"/>
-            <a:ext cx="357222" cy="571504"/>
+            <a:off x="5990110" y="-800590"/>
+            <a:ext cx="357190" cy="342442"/>
           </a:xfrm>
           <a:prstGeom prst="downArrow">
             <a:avLst/>
@@ -4736,24 +4791,18 @@
       </p:sp>
       <p:sp>
         <p:nvSpPr>
-          <p:cNvPr id="61" name="圆角矩形 60"/>
+          <p:cNvPr id="68" name="圆角矩形 67"/>
           <p:cNvSpPr/>
           <p:nvPr/>
         </p:nvSpPr>
         <p:spPr>
           <a:xfrm>
-            <a:off x="-258590" y="-428652"/>
-            <a:ext cx="6715172" cy="571504"/>
+            <a:off x="6215074" y="1428736"/>
+            <a:ext cx="1643074" cy="785818"/>
           </a:xfrm>
           <a:prstGeom prst="roundRect">
             <a:avLst/>
           </a:prstGeom>
-          <a:solidFill>
-            <a:schemeClr val="tx1">
-              <a:lumMod val="65000"/>
-              <a:lumOff val="35000"/>
-            </a:schemeClr>
-          </a:solidFill>
         </p:spPr>
         <p:style>
           <a:lnRef idx="2">
@@ -4777,8 +4826,19 @@
           <a:p>
             <a:pPr algn="ctr"/>
             <a:r>
+              <a:rPr lang="en-US" altLang="zh-CN" dirty="0"/>
+              <a:t>P</a:t>
+            </a:r>
+            <a:r>
               <a:rPr lang="en-US" altLang="zh-CN" dirty="0" smtClean="0"/>
-              <a:t>TCP Server/ Protocol</a:t>
+              <a:t>luggable </a:t>
+            </a:r>
+          </a:p>
+          <a:p>
+            <a:pPr algn="ctr"/>
+            <a:r>
+              <a:rPr lang="en-US" altLang="zh-CN" dirty="0" smtClean="0"/>
+              <a:t>Other…</a:t>
             </a:r>
             <a:endParaRPr lang="zh-CN" altLang="en-US" dirty="0"/>
           </a:p>
@@ -4786,21 +4846,21 @@
       </p:sp>
       <p:sp>
         <p:nvSpPr>
-          <p:cNvPr id="62" name="圆角矩形 61"/>
+          <p:cNvPr id="69" name="下箭头 68"/>
           <p:cNvSpPr/>
           <p:nvPr/>
         </p:nvSpPr>
         <p:spPr>
           <a:xfrm>
-            <a:off x="-256288" y="2571744"/>
-            <a:ext cx="6715172" cy="571504"/>
-          </a:xfrm>
-          <a:prstGeom prst="roundRect">
+            <a:off x="4294950" y="1071546"/>
+            <a:ext cx="357190" cy="342442"/>
+          </a:xfrm>
+          <a:prstGeom prst="downArrow">
             <a:avLst/>
           </a:prstGeom>
           <a:solidFill>
-            <a:schemeClr val="accent5">
-              <a:lumMod val="75000"/>
+            <a:schemeClr val="bg2">
+              <a:lumMod val="90000"/>
             </a:schemeClr>
           </a:solidFill>
         </p:spPr>
@@ -4825,31 +4885,19 @@
           <a:lstStyle/>
           <a:p>
             <a:pPr algn="ctr"/>
-            <a:r>
-              <a:rPr lang="en-US" altLang="zh-CN" dirty="0" smtClean="0"/>
-              <a:t>DB Object (Table</a:t>
-            </a:r>
-            <a:r>
-              <a:rPr lang="zh-CN" altLang="en-US" dirty="0" smtClean="0"/>
-              <a:t>、</a:t>
-            </a:r>
-            <a:r>
-              <a:rPr lang="en-US" altLang="zh-CN" dirty="0" smtClean="0"/>
-              <a:t>Index) API</a:t>
-            </a:r>
-            <a:endParaRPr lang="zh-CN" altLang="en-US" dirty="0" smtClean="0"/>
-          </a:p>
-        </p:txBody>
-      </p:sp>
-      <p:sp>
-        <p:nvSpPr>
-          <p:cNvPr id="64" name="下箭头 63"/>
+            <a:endParaRPr lang="zh-CN" altLang="en-US"/>
+          </a:p>
+        </p:txBody>
+      </p:sp>
+      <p:sp>
+        <p:nvSpPr>
+          <p:cNvPr id="70" name="下箭头 69"/>
           <p:cNvSpPr/>
           <p:nvPr/>
         </p:nvSpPr>
         <p:spPr>
           <a:xfrm>
-            <a:off x="1172472" y="-798288"/>
+            <a:off x="4294950" y="2229302"/>
             <a:ext cx="357190" cy="342442"/>
           </a:xfrm>
           <a:prstGeom prst="downArrow">
@@ -4888,21 +4936,21 @@
       </p:sp>
       <p:sp>
         <p:nvSpPr>
-          <p:cNvPr id="65" name="圆角矩形 64"/>
+          <p:cNvPr id="49" name="圆角矩形 48"/>
           <p:cNvSpPr/>
           <p:nvPr/>
         </p:nvSpPr>
         <p:spPr>
           <a:xfrm>
-            <a:off x="3815678" y="-1514970"/>
-            <a:ext cx="1714512" cy="714380"/>
+            <a:off x="2691516" y="5072074"/>
+            <a:ext cx="1285884" cy="714380"/>
           </a:xfrm>
           <a:prstGeom prst="roundRect">
             <a:avLst/>
           </a:prstGeom>
           <a:solidFill>
-            <a:schemeClr val="accent4">
-              <a:lumMod val="75000"/>
+            <a:schemeClr val="accent3">
+              <a:lumMod val="50000"/>
             </a:schemeClr>
           </a:solidFill>
         </p:spPr>
@@ -4927,31 +4975,23 @@
           <a:lstStyle/>
           <a:p>
             <a:pPr algn="ctr"/>
-            <a:endParaRPr lang="en-US" altLang="zh-CN" dirty="0" smtClean="0"/>
-          </a:p>
-          <a:p>
-            <a:pPr algn="ctr"/>
             <a:r>
               <a:rPr lang="en-US" altLang="zh-CN" dirty="0" smtClean="0"/>
-              <a:t>Client  2</a:t>
-            </a:r>
-            <a:endParaRPr lang="zh-CN" altLang="en-US" dirty="0" smtClean="0"/>
-          </a:p>
-          <a:p>
-            <a:pPr algn="ctr"/>
+              <a:t>AOTE</a:t>
+            </a:r>
             <a:endParaRPr lang="zh-CN" altLang="en-US" dirty="0"/>
           </a:p>
         </p:txBody>
       </p:sp>
       <p:sp>
         <p:nvSpPr>
-          <p:cNvPr id="66" name="下箭头 65"/>
+          <p:cNvPr id="53" name="下箭头 52"/>
           <p:cNvSpPr/>
           <p:nvPr/>
         </p:nvSpPr>
         <p:spPr>
           <a:xfrm>
-            <a:off x="4530058" y="-800590"/>
+            <a:off x="3174532" y="4714884"/>
             <a:ext cx="357190" cy="342442"/>
           </a:xfrm>
           <a:prstGeom prst="downArrow">
@@ -4990,18 +5030,23 @@
       </p:sp>
       <p:sp>
         <p:nvSpPr>
-          <p:cNvPr id="68" name="圆角矩形 67"/>
+          <p:cNvPr id="54" name="下箭头 53"/>
           <p:cNvSpPr/>
           <p:nvPr/>
         </p:nvSpPr>
         <p:spPr>
           <a:xfrm>
-            <a:off x="2101166" y="1428736"/>
-            <a:ext cx="1857388" cy="785818"/>
-          </a:xfrm>
-          <a:prstGeom prst="roundRect">
+            <a:off x="3174532" y="5786454"/>
+            <a:ext cx="357190" cy="342442"/>
+          </a:xfrm>
+          <a:prstGeom prst="downArrow">
             <a:avLst/>
           </a:prstGeom>
+          <a:solidFill>
+            <a:schemeClr val="bg2">
+              <a:lumMod val="90000"/>
+            </a:schemeClr>
+          </a:solidFill>
         </p:spPr>
         <p:style>
           <a:lnRef idx="2">
@@ -5024,42 +5069,27 @@
           <a:lstStyle/>
           <a:p>
             <a:pPr algn="ctr"/>
-            <a:r>
-              <a:rPr lang="en-US" altLang="zh-CN" dirty="0"/>
-              <a:t>P</a:t>
-            </a:r>
-            <a:r>
-              <a:rPr lang="en-US" altLang="zh-CN" dirty="0" smtClean="0"/>
-              <a:t>luggable </a:t>
-            </a:r>
-          </a:p>
-          <a:p>
-            <a:pPr algn="ctr"/>
-            <a:r>
-              <a:rPr lang="en-US" altLang="zh-CN" dirty="0" smtClean="0"/>
-              <a:t>Other…</a:t>
-            </a:r>
-            <a:endParaRPr lang="zh-CN" altLang="en-US" dirty="0"/>
-          </a:p>
-        </p:txBody>
-      </p:sp>
-      <p:sp>
-        <p:nvSpPr>
-          <p:cNvPr id="69" name="下箭头 68"/>
+            <a:endParaRPr lang="zh-CN" altLang="en-US"/>
+          </a:p>
+        </p:txBody>
+      </p:sp>
+      <p:sp>
+        <p:nvSpPr>
+          <p:cNvPr id="63" name="圆角矩形 62"/>
           <p:cNvSpPr/>
           <p:nvPr/>
         </p:nvSpPr>
         <p:spPr>
           <a:xfrm>
-            <a:off x="2834898" y="1071546"/>
-            <a:ext cx="357190" cy="342442"/>
-          </a:xfrm>
-          <a:prstGeom prst="downArrow">
+            <a:off x="2674466" y="6916992"/>
+            <a:ext cx="1397468" cy="857256"/>
+          </a:xfrm>
+          <a:prstGeom prst="roundRect">
             <a:avLst/>
           </a:prstGeom>
           <a:solidFill>
-            <a:schemeClr val="bg2">
-              <a:lumMod val="90000"/>
+            <a:schemeClr val="accent2">
+              <a:lumMod val="50000"/>
             </a:schemeClr>
           </a:solidFill>
         </p:spPr>
@@ -5084,19 +5114,22 @@
           <a:lstStyle/>
           <a:p>
             <a:pPr algn="ctr"/>
-            <a:endParaRPr lang="zh-CN" altLang="en-US"/>
-          </a:p>
-        </p:txBody>
-      </p:sp>
-      <p:sp>
-        <p:nvSpPr>
-          <p:cNvPr id="70" name="下箭头 69"/>
+            <a:r>
+              <a:rPr lang="en-US" altLang="zh-CN" dirty="0" smtClean="0"/>
+              <a:t>AOSE</a:t>
+            </a:r>
+          </a:p>
+        </p:txBody>
+      </p:sp>
+      <p:sp>
+        <p:nvSpPr>
+          <p:cNvPr id="67" name="下箭头 66"/>
           <p:cNvSpPr/>
           <p:nvPr/>
         </p:nvSpPr>
         <p:spPr>
           <a:xfrm>
-            <a:off x="2834898" y="2229302"/>
+            <a:off x="3174532" y="6587020"/>
             <a:ext cx="357190" cy="342442"/>
           </a:xfrm>
           <a:prstGeom prst="downArrow">
@@ -5130,6 +5163,56 @@
           <a:p>
             <a:pPr algn="ctr"/>
             <a:endParaRPr lang="zh-CN" altLang="en-US"/>
+          </a:p>
+        </p:txBody>
+      </p:sp>
+      <p:sp>
+        <p:nvSpPr>
+          <p:cNvPr id="72" name="左箭头 71"/>
+          <p:cNvSpPr/>
+          <p:nvPr/>
+        </p:nvSpPr>
+        <p:spPr>
+          <a:xfrm>
+            <a:off x="2185050" y="1571612"/>
+            <a:ext cx="184818" cy="428628"/>
+          </a:xfrm>
+          <a:prstGeom prst="leftArrow">
+            <a:avLst/>
+          </a:prstGeom>
+          <a:solidFill>
+            <a:schemeClr val="accent4"/>
+          </a:solidFill>
+        </p:spPr>
+        <p:style>
+          <a:lnRef idx="2">
+            <a:schemeClr val="accent1">
+              <a:shade val="50000"/>
+            </a:schemeClr>
+          </a:lnRef>
+          <a:fillRef idx="1">
+            <a:schemeClr val="accent1"/>
+          </a:fillRef>
+          <a:effectRef idx="0">
+            <a:schemeClr val="accent1"/>
+          </a:effectRef>
+          <a:fontRef idx="minor">
+            <a:schemeClr val="lt1"/>
+          </a:fontRef>
+        </p:style>
+        <p:txBody>
+          <a:bodyPr rtlCol="0" anchor="ctr"/>
+          <a:lstStyle/>
+          <a:p>
+            <a:pPr algn="ctr"/>
+            <a:endParaRPr lang="zh-CN" altLang="en-US" dirty="0">
+              <a:solidFill>
+                <a:schemeClr val="accent3">
+                  <a:lumMod val="40000"/>
+                  <a:lumOff val="60000"/>
+                </a:schemeClr>
+              </a:solidFill>
+            </a:endParaRPr>
           </a:p>
         </p:txBody>
       </p:sp>
